--- a/03-h-Mn/Pictures/Recomb.pptx
+++ b/03-h-Mn/Pictures/Recomb.pptx
@@ -288,7 +288,7 @@
           <a:p>
             <a:fld id="{FC515B42-9E3D-4749-95A3-F7DC7A23EBB8}" type="datetimeFigureOut">
               <a:rPr lang="fr-FR" smtClean="0"/>
-              <a:t>11/07/2017</a:t>
+              <a:t>12/07/2017</a:t>
             </a:fld>
             <a:endParaRPr lang="fr-FR"/>
           </a:p>
@@ -458,7 +458,7 @@
           <a:p>
             <a:fld id="{FC515B42-9E3D-4749-95A3-F7DC7A23EBB8}" type="datetimeFigureOut">
               <a:rPr lang="fr-FR" smtClean="0"/>
-              <a:t>11/07/2017</a:t>
+              <a:t>12/07/2017</a:t>
             </a:fld>
             <a:endParaRPr lang="fr-FR"/>
           </a:p>
@@ -638,7 +638,7 @@
           <a:p>
             <a:fld id="{FC515B42-9E3D-4749-95A3-F7DC7A23EBB8}" type="datetimeFigureOut">
               <a:rPr lang="fr-FR" smtClean="0"/>
-              <a:t>11/07/2017</a:t>
+              <a:t>12/07/2017</a:t>
             </a:fld>
             <a:endParaRPr lang="fr-FR"/>
           </a:p>
@@ -808,7 +808,7 @@
           <a:p>
             <a:fld id="{FC515B42-9E3D-4749-95A3-F7DC7A23EBB8}" type="datetimeFigureOut">
               <a:rPr lang="fr-FR" smtClean="0"/>
-              <a:t>11/07/2017</a:t>
+              <a:t>12/07/2017</a:t>
             </a:fld>
             <a:endParaRPr lang="fr-FR"/>
           </a:p>
@@ -1054,7 +1054,7 @@
           <a:p>
             <a:fld id="{FC515B42-9E3D-4749-95A3-F7DC7A23EBB8}" type="datetimeFigureOut">
               <a:rPr lang="fr-FR" smtClean="0"/>
-              <a:t>11/07/2017</a:t>
+              <a:t>12/07/2017</a:t>
             </a:fld>
             <a:endParaRPr lang="fr-FR"/>
           </a:p>
@@ -1342,7 +1342,7 @@
           <a:p>
             <a:fld id="{FC515B42-9E3D-4749-95A3-F7DC7A23EBB8}" type="datetimeFigureOut">
               <a:rPr lang="fr-FR" smtClean="0"/>
-              <a:t>11/07/2017</a:t>
+              <a:t>12/07/2017</a:t>
             </a:fld>
             <a:endParaRPr lang="fr-FR"/>
           </a:p>
@@ -1764,7 +1764,7 @@
           <a:p>
             <a:fld id="{FC515B42-9E3D-4749-95A3-F7DC7A23EBB8}" type="datetimeFigureOut">
               <a:rPr lang="fr-FR" smtClean="0"/>
-              <a:t>11/07/2017</a:t>
+              <a:t>12/07/2017</a:t>
             </a:fld>
             <a:endParaRPr lang="fr-FR"/>
           </a:p>
@@ -1882,7 +1882,7 @@
           <a:p>
             <a:fld id="{FC515B42-9E3D-4749-95A3-F7DC7A23EBB8}" type="datetimeFigureOut">
               <a:rPr lang="fr-FR" smtClean="0"/>
-              <a:t>11/07/2017</a:t>
+              <a:t>12/07/2017</a:t>
             </a:fld>
             <a:endParaRPr lang="fr-FR"/>
           </a:p>
@@ -1977,7 +1977,7 @@
           <a:p>
             <a:fld id="{FC515B42-9E3D-4749-95A3-F7DC7A23EBB8}" type="datetimeFigureOut">
               <a:rPr lang="fr-FR" smtClean="0"/>
-              <a:t>11/07/2017</a:t>
+              <a:t>12/07/2017</a:t>
             </a:fld>
             <a:endParaRPr lang="fr-FR"/>
           </a:p>
@@ -2254,7 +2254,7 @@
           <a:p>
             <a:fld id="{FC515B42-9E3D-4749-95A3-F7DC7A23EBB8}" type="datetimeFigureOut">
               <a:rPr lang="fr-FR" smtClean="0"/>
-              <a:t>11/07/2017</a:t>
+              <a:t>12/07/2017</a:t>
             </a:fld>
             <a:endParaRPr lang="fr-FR"/>
           </a:p>
@@ -2507,7 +2507,7 @@
           <a:p>
             <a:fld id="{FC515B42-9E3D-4749-95A3-F7DC7A23EBB8}" type="datetimeFigureOut">
               <a:rPr lang="fr-FR" smtClean="0"/>
-              <a:t>11/07/2017</a:t>
+              <a:t>12/07/2017</a:t>
             </a:fld>
             <a:endParaRPr lang="fr-FR"/>
           </a:p>
@@ -2720,7 +2720,7 @@
           <a:p>
             <a:fld id="{FC515B42-9E3D-4749-95A3-F7DC7A23EBB8}" type="datetimeFigureOut">
               <a:rPr lang="fr-FR" smtClean="0"/>
-              <a:t>11/07/2017</a:t>
+              <a:t>12/07/2017</a:t>
             </a:fld>
             <a:endParaRPr lang="fr-FR"/>
           </a:p>
@@ -3117,7 +3117,7 @@
           <a:graphicData uri="http://schemas.openxmlformats.org/presentationml/2006/ole">
             <mc:AlternateContent xmlns:mc="http://schemas.openxmlformats.org/markup-compatibility/2006">
               <mc:Choice xmlns:v="urn:schemas-microsoft-com:vml" Requires="v">
-                <p:oleObj spid="_x0000_s1107" name="Equation" r:id="rId3" imgW="1409400" imgH="419040" progId="Equation.3">
+                <p:oleObj spid="_x0000_s1155" name="Equation" r:id="rId3" imgW="1409400" imgH="419040" progId="Equation.3">
                   <p:embed/>
                 </p:oleObj>
               </mc:Choice>
@@ -3216,7 +3216,7 @@
           <a:graphicData uri="http://schemas.openxmlformats.org/presentationml/2006/ole">
             <mc:AlternateContent xmlns:mc="http://schemas.openxmlformats.org/markup-compatibility/2006">
               <mc:Choice xmlns:v="urn:schemas-microsoft-com:vml" Requires="v">
-                <p:oleObj spid="_x0000_s1108" name="Equation" r:id="rId5" imgW="1409400" imgH="419040" progId="Equation.3">
+                <p:oleObj spid="_x0000_s1156" name="Equation" r:id="rId5" imgW="1409400" imgH="419040" progId="Equation.3">
                   <p:embed/>
                 </p:oleObj>
               </mc:Choice>
@@ -3315,7 +3315,7 @@
           <a:graphicData uri="http://schemas.openxmlformats.org/presentationml/2006/ole">
             <mc:AlternateContent xmlns:mc="http://schemas.openxmlformats.org/markup-compatibility/2006">
               <mc:Choice xmlns:v="urn:schemas-microsoft-com:vml" Requires="v">
-                <p:oleObj spid="_x0000_s1109" name="Equation" r:id="rId7" imgW="2120760" imgH="419040" progId="Equation.3">
+                <p:oleObj spid="_x0000_s1157" name="Equation" r:id="rId7" imgW="2120760" imgH="419040" progId="Equation.3">
                   <p:embed/>
                 </p:oleObj>
               </mc:Choice>
@@ -3414,7 +3414,7 @@
           <a:graphicData uri="http://schemas.openxmlformats.org/presentationml/2006/ole">
             <mc:AlternateContent xmlns:mc="http://schemas.openxmlformats.org/markup-compatibility/2006">
               <mc:Choice xmlns:v="urn:schemas-microsoft-com:vml" Requires="v">
-                <p:oleObj spid="_x0000_s1110" name="Equation" r:id="rId9" imgW="2133360" imgH="419040" progId="Equation.3">
+                <p:oleObj spid="_x0000_s1158" name="Equation" r:id="rId9" imgW="2133360" imgH="419040" progId="Equation.3">
                   <p:embed/>
                 </p:oleObj>
               </mc:Choice>
@@ -3513,7 +3513,7 @@
           <a:graphicData uri="http://schemas.openxmlformats.org/presentationml/2006/ole">
             <mc:AlternateContent xmlns:mc="http://schemas.openxmlformats.org/markup-compatibility/2006">
               <mc:Choice xmlns:v="urn:schemas-microsoft-com:vml" Requires="v">
-                <p:oleObj spid="_x0000_s1111" name="Equation" r:id="rId11" imgW="2120760" imgH="419040" progId="Equation.3">
+                <p:oleObj spid="_x0000_s1159" name="Equation" r:id="rId11" imgW="2120760" imgH="419040" progId="Equation.3">
                   <p:embed/>
                 </p:oleObj>
               </mc:Choice>
@@ -3612,7 +3612,7 @@
           <a:graphicData uri="http://schemas.openxmlformats.org/presentationml/2006/ole">
             <mc:AlternateContent xmlns:mc="http://schemas.openxmlformats.org/markup-compatibility/2006">
               <mc:Choice xmlns:v="urn:schemas-microsoft-com:vml" Requires="v">
-                <p:oleObj spid="_x0000_s1112" name="Equation" r:id="rId13" imgW="2133360" imgH="419040" progId="Equation.3">
+                <p:oleObj spid="_x0000_s1160" name="Equation" r:id="rId13" imgW="2133360" imgH="419040" progId="Equation.3">
                   <p:embed/>
                 </p:oleObj>
               </mc:Choice>
@@ -3711,7 +3711,7 @@
           <a:graphicData uri="http://schemas.openxmlformats.org/presentationml/2006/ole">
             <mc:AlternateContent xmlns:mc="http://schemas.openxmlformats.org/markup-compatibility/2006">
               <mc:Choice xmlns:v="urn:schemas-microsoft-com:vml" Requires="v">
-                <p:oleObj spid="_x0000_s1113" name="Equation" r:id="rId15" imgW="1942920" imgH="419040" progId="Equation.3">
+                <p:oleObj spid="_x0000_s1161" name="Equation" r:id="rId15" imgW="1942920" imgH="419040" progId="Equation.3">
                   <p:embed/>
                 </p:oleObj>
               </mc:Choice>
@@ -4973,7 +4973,7 @@
         <p:spPr bwMode="auto">
           <a:xfrm>
             <a:off x="3618502" y="282134"/>
-            <a:ext cx="482824" cy="338554"/>
+            <a:ext cx="585417" cy="338554"/>
           </a:xfrm>
           <a:prstGeom prst="rect">
             <a:avLst/>
@@ -5019,8 +5019,25 @@
                 <a:latin typeface="Times New Roman" panose="02020603050405020304" pitchFamily="18" charset="0"/>
                 <a:cs typeface="Times New Roman" panose="02020603050405020304" pitchFamily="18" charset="0"/>
               </a:rPr>
-              <a:t>J=3</a:t>
+              <a:t>M</a:t>
             </a:r>
+            <a:r>
+              <a:rPr lang="es-ES" altLang="en-US" sz="1600" dirty="0" smtClean="0">
+                <a:solidFill>
+                  <a:srgbClr val="00B050"/>
+                </a:solidFill>
+                <a:latin typeface="Times New Roman" panose="02020603050405020304" pitchFamily="18" charset="0"/>
+                <a:cs typeface="Times New Roman" panose="02020603050405020304" pitchFamily="18" charset="0"/>
+              </a:rPr>
+              <a:t>=3</a:t>
+            </a:r>
+            <a:endParaRPr lang="es-ES" altLang="en-US" sz="1600" dirty="0">
+              <a:solidFill>
+                <a:srgbClr val="00B050"/>
+              </a:solidFill>
+              <a:latin typeface="Times New Roman" panose="02020603050405020304" pitchFamily="18" charset="0"/>
+              <a:cs typeface="Times New Roman" panose="02020603050405020304" pitchFamily="18" charset="0"/>
+            </a:endParaRPr>
           </a:p>
         </p:txBody>
       </p:sp>
@@ -6973,8 +6990,8 @@
         </p:nvSpPr>
         <p:spPr bwMode="auto">
           <a:xfrm>
-            <a:off x="6609456" y="66110"/>
-            <a:ext cx="482824" cy="338554"/>
+            <a:off x="6543450" y="66110"/>
+            <a:ext cx="585417" cy="338554"/>
           </a:xfrm>
           <a:prstGeom prst="rect">
             <a:avLst/>
@@ -7013,6 +7030,16 @@
           <a:lstStyle/>
           <a:p>
             <a:r>
+              <a:rPr lang="es-ES" altLang="en-US" sz="1600" dirty="0">
+                <a:solidFill>
+                  <a:srgbClr val="FFC000"/>
+                </a:solidFill>
+                <a:latin typeface="Times New Roman" panose="02020603050405020304" pitchFamily="18" charset="0"/>
+                <a:cs typeface="Times New Roman" panose="02020603050405020304" pitchFamily="18" charset="0"/>
+              </a:rPr>
+              <a:t>M</a:t>
+            </a:r>
+            <a:r>
               <a:rPr lang="es-ES" altLang="en-US" sz="1600" dirty="0" smtClean="0">
                 <a:solidFill>
                   <a:srgbClr val="FFC000"/>
@@ -7020,7 +7047,7 @@
                 <a:latin typeface="Times New Roman" panose="02020603050405020304" pitchFamily="18" charset="0"/>
                 <a:cs typeface="Times New Roman" panose="02020603050405020304" pitchFamily="18" charset="0"/>
               </a:rPr>
-              <a:t>J=2</a:t>
+              <a:t>=2</a:t>
             </a:r>
             <a:endParaRPr lang="es-ES" altLang="en-US" sz="1600" dirty="0">
               <a:solidFill>
@@ -7054,7 +7081,7 @@
           <a:graphicData uri="http://schemas.openxmlformats.org/presentationml/2006/ole">
             <mc:AlternateContent xmlns:mc="http://schemas.openxmlformats.org/markup-compatibility/2006">
               <mc:Choice xmlns:v="urn:schemas-microsoft-com:vml" Requires="v">
-                <p:oleObj spid="_x0000_s1114" name="Equation" r:id="rId19" imgW="2120760" imgH="419040" progId="Equation.3">
+                <p:oleObj spid="_x0000_s1162" name="Equation" r:id="rId19" imgW="2120760" imgH="419040" progId="Equation.3">
                   <p:embed/>
                 </p:oleObj>
               </mc:Choice>
@@ -7153,7 +7180,7 @@
           <a:graphicData uri="http://schemas.openxmlformats.org/presentationml/2006/ole">
             <mc:AlternateContent xmlns:mc="http://schemas.openxmlformats.org/markup-compatibility/2006">
               <mc:Choice xmlns:v="urn:schemas-microsoft-com:vml" Requires="v">
-                <p:oleObj spid="_x0000_s1115" name="Equation" r:id="rId21" imgW="2133360" imgH="419040" progId="Equation.3">
+                <p:oleObj spid="_x0000_s1163" name="Equation" r:id="rId21" imgW="2133360" imgH="419040" progId="Equation.3">
                   <p:embed/>
                 </p:oleObj>
               </mc:Choice>
@@ -7252,7 +7279,7 @@
           <a:graphicData uri="http://schemas.openxmlformats.org/presentationml/2006/ole">
             <mc:AlternateContent xmlns:mc="http://schemas.openxmlformats.org/markup-compatibility/2006">
               <mc:Choice xmlns:v="urn:schemas-microsoft-com:vml" Requires="v">
-                <p:oleObj spid="_x0000_s1116" name="Equation" r:id="rId23" imgW="2120760" imgH="419040" progId="Equation.3">
+                <p:oleObj spid="_x0000_s1164" name="Equation" r:id="rId23" imgW="2120760" imgH="419040" progId="Equation.3">
                   <p:embed/>
                 </p:oleObj>
               </mc:Choice>
@@ -7351,7 +7378,7 @@
           <a:graphicData uri="http://schemas.openxmlformats.org/presentationml/2006/ole">
             <mc:AlternateContent xmlns:mc="http://schemas.openxmlformats.org/markup-compatibility/2006">
               <mc:Choice xmlns:v="urn:schemas-microsoft-com:vml" Requires="v">
-                <p:oleObj spid="_x0000_s1117" name="Equation" r:id="rId25" imgW="2133360" imgH="419040" progId="Equation.3">
+                <p:oleObj spid="_x0000_s1165" name="Equation" r:id="rId25" imgW="2133360" imgH="419040" progId="Equation.3">
                   <p:embed/>
                 </p:oleObj>
               </mc:Choice>
@@ -7450,7 +7477,7 @@
           <a:graphicData uri="http://schemas.openxmlformats.org/presentationml/2006/ole">
             <mc:AlternateContent xmlns:mc="http://schemas.openxmlformats.org/markup-compatibility/2006">
               <mc:Choice xmlns:v="urn:schemas-microsoft-com:vml" Requires="v">
-                <p:oleObj spid="_x0000_s1118" name="Equation" r:id="rId27" imgW="2057400" imgH="419040" progId="Equation.3">
+                <p:oleObj spid="_x0000_s1166" name="Equation" r:id="rId27" imgW="2057400" imgH="419040" progId="Equation.3">
                   <p:embed/>
                 </p:oleObj>
               </mc:Choice>
